--- a/unity assignment initial design.pptx
+++ b/unity assignment initial design.pptx
@@ -261,7 +261,7 @@
           <a:p>
             <a:fld id="{F9A4FBCA-367E-43EB-8FE1-ACDF08721BCF}" type="datetimeFigureOut">
               <a:rPr lang="en-GB" smtClean="0"/>
-              <a:t>24/02/2020</a:t>
+              <a:t>16/03/2020</a:t>
             </a:fld>
             <a:endParaRPr lang="en-GB"/>
           </a:p>
@@ -461,7 +461,7 @@
           <a:p>
             <a:fld id="{F9A4FBCA-367E-43EB-8FE1-ACDF08721BCF}" type="datetimeFigureOut">
               <a:rPr lang="en-GB" smtClean="0"/>
-              <a:t>24/02/2020</a:t>
+              <a:t>16/03/2020</a:t>
             </a:fld>
             <a:endParaRPr lang="en-GB"/>
           </a:p>
@@ -671,7 +671,7 @@
           <a:p>
             <a:fld id="{F9A4FBCA-367E-43EB-8FE1-ACDF08721BCF}" type="datetimeFigureOut">
               <a:rPr lang="en-GB" smtClean="0"/>
-              <a:t>24/02/2020</a:t>
+              <a:t>16/03/2020</a:t>
             </a:fld>
             <a:endParaRPr lang="en-GB"/>
           </a:p>
@@ -871,7 +871,7 @@
           <a:p>
             <a:fld id="{F9A4FBCA-367E-43EB-8FE1-ACDF08721BCF}" type="datetimeFigureOut">
               <a:rPr lang="en-GB" smtClean="0"/>
-              <a:t>24/02/2020</a:t>
+              <a:t>16/03/2020</a:t>
             </a:fld>
             <a:endParaRPr lang="en-GB"/>
           </a:p>
@@ -1147,7 +1147,7 @@
           <a:p>
             <a:fld id="{F9A4FBCA-367E-43EB-8FE1-ACDF08721BCF}" type="datetimeFigureOut">
               <a:rPr lang="en-GB" smtClean="0"/>
-              <a:t>24/02/2020</a:t>
+              <a:t>16/03/2020</a:t>
             </a:fld>
             <a:endParaRPr lang="en-GB"/>
           </a:p>
@@ -1415,7 +1415,7 @@
           <a:p>
             <a:fld id="{F9A4FBCA-367E-43EB-8FE1-ACDF08721BCF}" type="datetimeFigureOut">
               <a:rPr lang="en-GB" smtClean="0"/>
-              <a:t>24/02/2020</a:t>
+              <a:t>16/03/2020</a:t>
             </a:fld>
             <a:endParaRPr lang="en-GB"/>
           </a:p>
@@ -1830,7 +1830,7 @@
           <a:p>
             <a:fld id="{F9A4FBCA-367E-43EB-8FE1-ACDF08721BCF}" type="datetimeFigureOut">
               <a:rPr lang="en-GB" smtClean="0"/>
-              <a:t>24/02/2020</a:t>
+              <a:t>16/03/2020</a:t>
             </a:fld>
             <a:endParaRPr lang="en-GB"/>
           </a:p>
@@ -1972,7 +1972,7 @@
           <a:p>
             <a:fld id="{F9A4FBCA-367E-43EB-8FE1-ACDF08721BCF}" type="datetimeFigureOut">
               <a:rPr lang="en-GB" smtClean="0"/>
-              <a:t>24/02/2020</a:t>
+              <a:t>16/03/2020</a:t>
             </a:fld>
             <a:endParaRPr lang="en-GB"/>
           </a:p>
@@ -2085,7 +2085,7 @@
           <a:p>
             <a:fld id="{F9A4FBCA-367E-43EB-8FE1-ACDF08721BCF}" type="datetimeFigureOut">
               <a:rPr lang="en-GB" smtClean="0"/>
-              <a:t>24/02/2020</a:t>
+              <a:t>16/03/2020</a:t>
             </a:fld>
             <a:endParaRPr lang="en-GB"/>
           </a:p>
@@ -2398,7 +2398,7 @@
           <a:p>
             <a:fld id="{F9A4FBCA-367E-43EB-8FE1-ACDF08721BCF}" type="datetimeFigureOut">
               <a:rPr lang="en-GB" smtClean="0"/>
-              <a:t>24/02/2020</a:t>
+              <a:t>16/03/2020</a:t>
             </a:fld>
             <a:endParaRPr lang="en-GB"/>
           </a:p>
@@ -2687,7 +2687,7 @@
           <a:p>
             <a:fld id="{F9A4FBCA-367E-43EB-8FE1-ACDF08721BCF}" type="datetimeFigureOut">
               <a:rPr lang="en-GB" smtClean="0"/>
-              <a:t>24/02/2020</a:t>
+              <a:t>16/03/2020</a:t>
             </a:fld>
             <a:endParaRPr lang="en-GB"/>
           </a:p>
@@ -2930,7 +2930,7 @@
           <a:p>
             <a:fld id="{F9A4FBCA-367E-43EB-8FE1-ACDF08721BCF}" type="datetimeFigureOut">
               <a:rPr lang="en-GB" smtClean="0"/>
-              <a:t>24/02/2020</a:t>
+              <a:t>16/03/2020</a:t>
             </a:fld>
             <a:endParaRPr lang="en-GB"/>
           </a:p>
@@ -3349,10 +3349,10 @@
       </p:grpSpPr>
       <p:grpSp>
         <p:nvGrpSpPr>
-          <p:cNvPr id="11" name="Group 10">
-            <a:extLst>
-              <a:ext uri="{FF2B5EF4-FFF2-40B4-BE49-F238E27FC236}">
-                <a16:creationId xmlns:a16="http://schemas.microsoft.com/office/drawing/2014/main" id="{2E8C7840-6CF4-434B-B5CF-D12E2FA1104A}"/>
+          <p:cNvPr id="20" name="Group 19">
+            <a:extLst>
+              <a:ext uri="{FF2B5EF4-FFF2-40B4-BE49-F238E27FC236}">
+                <a16:creationId xmlns:a16="http://schemas.microsoft.com/office/drawing/2014/main" id="{34F27F50-16A5-47FF-B2AB-3957F83C28B3}"/>
               </a:ext>
             </a:extLst>
           </p:cNvPr>
@@ -3361,187 +3361,328 @@
         </p:nvGrpSpPr>
         <p:grpSpPr>
           <a:xfrm>
-            <a:off x="0" y="0"/>
-            <a:ext cx="8202522" cy="1754282"/>
-            <a:chOff x="3851420" y="182503"/>
-            <a:chExt cx="8202522" cy="1754282"/>
+            <a:off x="152835" y="91626"/>
+            <a:ext cx="11886329" cy="6674748"/>
+            <a:chOff x="-3441" y="0"/>
+            <a:chExt cx="11886329" cy="6674748"/>
           </a:xfrm>
         </p:grpSpPr>
-        <p:pic>
-          <p:nvPicPr>
-            <p:cNvPr id="6" name="Picture 5">
+        <p:grpSp>
+          <p:nvGrpSpPr>
+            <p:cNvPr id="11" name="Group 10">
               <a:extLst>
                 <a:ext uri="{FF2B5EF4-FFF2-40B4-BE49-F238E27FC236}">
-                  <a16:creationId xmlns:a16="http://schemas.microsoft.com/office/drawing/2014/main" id="{71C82E19-1288-40E6-8191-D1926A24B846}"/>
+                  <a16:creationId xmlns:a16="http://schemas.microsoft.com/office/drawing/2014/main" id="{2E8C7840-6CF4-434B-B5CF-D12E2FA1104A}"/>
                 </a:ext>
               </a:extLst>
             </p:cNvPr>
-            <p:cNvPicPr>
-              <a:picLocks noChangeAspect="1"/>
-            </p:cNvPicPr>
+            <p:cNvGrpSpPr/>
             <p:nvPr/>
-          </p:nvPicPr>
-          <p:blipFill>
-            <a:blip r:embed="rId2"/>
-            <a:stretch>
-              <a:fillRect/>
-            </a:stretch>
-          </p:blipFill>
-          <p:spPr>
+          </p:nvGrpSpPr>
+          <p:grpSpPr>
             <a:xfrm>
-              <a:off x="7009180" y="454074"/>
-              <a:ext cx="5044762" cy="1482711"/>
+              <a:off x="0" y="0"/>
+              <a:ext cx="8202522" cy="1754282"/>
+              <a:chOff x="3851420" y="182503"/>
+              <a:chExt cx="8202522" cy="1754282"/>
             </a:xfrm>
-            <a:prstGeom prst="rect">
-              <a:avLst/>
-            </a:prstGeom>
-          </p:spPr>
-        </p:pic>
-        <p:pic>
-          <p:nvPicPr>
-            <p:cNvPr id="4" name="Picture 3">
+          </p:grpSpPr>
+          <p:pic>
+            <p:nvPicPr>
+              <p:cNvPr id="6" name="Picture 5">
+                <a:extLst>
+                  <a:ext uri="{FF2B5EF4-FFF2-40B4-BE49-F238E27FC236}">
+                    <a16:creationId xmlns:a16="http://schemas.microsoft.com/office/drawing/2014/main" id="{71C82E19-1288-40E6-8191-D1926A24B846}"/>
+                  </a:ext>
+                </a:extLst>
+              </p:cNvPr>
+              <p:cNvPicPr>
+                <a:picLocks noChangeAspect="1"/>
+              </p:cNvPicPr>
+              <p:nvPr/>
+            </p:nvPicPr>
+            <p:blipFill>
+              <a:blip r:embed="rId2"/>
+              <a:stretch>
+                <a:fillRect/>
+              </a:stretch>
+            </p:blipFill>
+            <p:spPr>
+              <a:xfrm>
+                <a:off x="7009180" y="454074"/>
+                <a:ext cx="5044762" cy="1482711"/>
+              </a:xfrm>
+              <a:prstGeom prst="rect">
+                <a:avLst/>
+              </a:prstGeom>
+            </p:spPr>
+          </p:pic>
+          <p:pic>
+            <p:nvPicPr>
+              <p:cNvPr id="4" name="Picture 3">
+                <a:extLst>
+                  <a:ext uri="{FF2B5EF4-FFF2-40B4-BE49-F238E27FC236}">
+                    <a16:creationId xmlns:a16="http://schemas.microsoft.com/office/drawing/2014/main" id="{5EE5573E-E996-44AC-B6A0-C8BA56B739DC}"/>
+                  </a:ext>
+                </a:extLst>
+              </p:cNvPr>
+              <p:cNvPicPr>
+                <a:picLocks noChangeAspect="1"/>
+              </p:cNvPicPr>
+              <p:nvPr/>
+            </p:nvPicPr>
+            <p:blipFill>
+              <a:blip r:embed="rId3"/>
+              <a:stretch>
+                <a:fillRect/>
+              </a:stretch>
+            </p:blipFill>
+            <p:spPr>
+              <a:xfrm rot="10800000">
+                <a:off x="3851420" y="182503"/>
+                <a:ext cx="3314700" cy="1381125"/>
+              </a:xfrm>
+              <a:prstGeom prst="rect">
+                <a:avLst/>
+              </a:prstGeom>
+            </p:spPr>
+          </p:pic>
+          <p:pic>
+            <p:nvPicPr>
+              <p:cNvPr id="8" name="Picture 7">
+                <a:extLst>
+                  <a:ext uri="{FF2B5EF4-FFF2-40B4-BE49-F238E27FC236}">
+                    <a16:creationId xmlns:a16="http://schemas.microsoft.com/office/drawing/2014/main" id="{46D89C9B-65B1-4C43-9C7A-277B6A45B6EE}"/>
+                  </a:ext>
+                </a:extLst>
+              </p:cNvPr>
+              <p:cNvPicPr>
+                <a:picLocks noChangeAspect="1"/>
+              </p:cNvPicPr>
+              <p:nvPr/>
+            </p:nvPicPr>
+            <p:blipFill>
+              <a:blip r:embed="rId4">
+                <a:extLst>
+                  <a:ext uri="{BEBA8EAE-BF5A-486C-A8C5-ECC9F3942E4B}">
+                    <a14:imgProps xmlns:a14="http://schemas.microsoft.com/office/drawing/2010/main">
+                      <a14:imgLayer r:embed="rId5">
+                        <a14:imgEffect>
+                          <a14:backgroundRemoval t="9290" b="88525" l="1087" r="98913">
+                            <a14:foregroundMark x1="5797" y1="53005" x2="5797" y2="53005"/>
+                            <a14:foregroundMark x1="4710" y1="50273" x2="4710" y2="50273"/>
+                            <a14:foregroundMark x1="1449" y1="53552" x2="1449" y2="53552"/>
+                            <a14:foregroundMark x1="92029" y1="48634" x2="92029" y2="48634"/>
+                            <a14:foregroundMark x1="95290" y1="48634" x2="95290" y2="48634"/>
+                            <a14:foregroundMark x1="98913" y1="48634" x2="98913" y2="48634"/>
+                            <a14:backgroundMark x1="50000" y1="13661" x2="50000" y2="13661"/>
+                            <a14:backgroundMark x1="52174" y1="24590" x2="52174" y2="24590"/>
+                            <a14:backgroundMark x1="34783" y1="30055" x2="34783" y2="30055"/>
+                            <a14:backgroundMark x1="45290" y1="35519" x2="45290" y2="35519"/>
+                            <a14:backgroundMark x1="37319" y1="78142" x2="37319" y2="78142"/>
+                            <a14:backgroundMark x1="64493" y1="36066" x2="64493" y2="36066"/>
+                            <a14:backgroundMark x1="24275" y1="34973" x2="24275" y2="34973"/>
+                            <a14:backgroundMark x1="29710" y1="36612" x2="29710" y2="36612"/>
+                            <a14:backgroundMark x1="37319" y1="38251" x2="37319" y2="38251"/>
+                          </a14:backgroundRemoval>
+                        </a14:imgEffect>
+                      </a14:imgLayer>
+                    </a14:imgProps>
+                  </a:ext>
+                </a:extLst>
+              </a:blip>
+              <a:stretch>
+                <a:fillRect/>
+              </a:stretch>
+            </p:blipFill>
+            <p:spPr>
+              <a:xfrm>
+                <a:off x="7166120" y="504254"/>
+                <a:ext cx="3387230" cy="737622"/>
+              </a:xfrm>
+              <a:prstGeom prst="rect">
+                <a:avLst/>
+              </a:prstGeom>
+            </p:spPr>
+          </p:pic>
+        </p:grpSp>
+        <p:grpSp>
+          <p:nvGrpSpPr>
+            <p:cNvPr id="10" name="Group 9">
               <a:extLst>
                 <a:ext uri="{FF2B5EF4-FFF2-40B4-BE49-F238E27FC236}">
-                  <a16:creationId xmlns:a16="http://schemas.microsoft.com/office/drawing/2014/main" id="{5EE5573E-E996-44AC-B6A0-C8BA56B739DC}"/>
+                  <a16:creationId xmlns:a16="http://schemas.microsoft.com/office/drawing/2014/main" id="{B744564B-195B-4BEF-A795-004613C8C08F}"/>
                 </a:ext>
               </a:extLst>
             </p:cNvPr>
-            <p:cNvPicPr>
-              <a:picLocks noChangeAspect="1"/>
-            </p:cNvPicPr>
+            <p:cNvGrpSpPr/>
             <p:nvPr/>
-          </p:nvPicPr>
-          <p:blipFill>
-            <a:blip r:embed="rId3"/>
-            <a:stretch>
-              <a:fillRect/>
-            </a:stretch>
-          </p:blipFill>
-          <p:spPr>
-            <a:xfrm rot="10800000">
-              <a:off x="3851420" y="182503"/>
-              <a:ext cx="3314700" cy="1381125"/>
+          </p:nvGrpSpPr>
+          <p:grpSpPr>
+            <a:xfrm flipH="1">
+              <a:off x="-3441" y="1550972"/>
+              <a:ext cx="5044762" cy="2007868"/>
+              <a:chOff x="6333709" y="3067473"/>
+              <a:chExt cx="4740095" cy="2007868"/>
             </a:xfrm>
-            <a:prstGeom prst="rect">
-              <a:avLst/>
-            </a:prstGeom>
-          </p:spPr>
-        </p:pic>
+          </p:grpSpPr>
+          <p:pic>
+            <p:nvPicPr>
+              <p:cNvPr id="7" name="Picture 6">
+                <a:extLst>
+                  <a:ext uri="{FF2B5EF4-FFF2-40B4-BE49-F238E27FC236}">
+                    <a16:creationId xmlns:a16="http://schemas.microsoft.com/office/drawing/2014/main" id="{73BC574A-0DAE-4D78-9BC2-5B9BFB4A1B3C}"/>
+                  </a:ext>
+                </a:extLst>
+              </p:cNvPr>
+              <p:cNvPicPr>
+                <a:picLocks noChangeAspect="1"/>
+              </p:cNvPicPr>
+              <p:nvPr/>
+            </p:nvPicPr>
+            <p:blipFill>
+              <a:blip r:embed="rId6"/>
+              <a:stretch>
+                <a:fillRect/>
+              </a:stretch>
+            </p:blipFill>
+            <p:spPr>
+              <a:xfrm>
+                <a:off x="6333709" y="3592630"/>
+                <a:ext cx="4740095" cy="1482711"/>
+              </a:xfrm>
+              <a:prstGeom prst="rect">
+                <a:avLst/>
+              </a:prstGeom>
+            </p:spPr>
+          </p:pic>
+          <p:pic>
+            <p:nvPicPr>
+              <p:cNvPr id="1028" name="Picture 4" descr="Image result for steam">
+                <a:extLst>
+                  <a:ext uri="{FF2B5EF4-FFF2-40B4-BE49-F238E27FC236}">
+                    <a16:creationId xmlns:a16="http://schemas.microsoft.com/office/drawing/2014/main" id="{5C26C7F9-52D0-4947-894B-764966A653D2}"/>
+                  </a:ext>
+                </a:extLst>
+              </p:cNvPr>
+              <p:cNvPicPr>
+                <a:picLocks noChangeAspect="1" noChangeArrowheads="1"/>
+              </p:cNvPicPr>
+              <p:nvPr/>
+            </p:nvPicPr>
+            <p:blipFill>
+              <a:blip r:embed="rId7">
+                <a:extLst>
+                  <a:ext uri="{BEBA8EAE-BF5A-486C-A8C5-ECC9F3942E4B}">
+                    <a14:imgProps xmlns:a14="http://schemas.microsoft.com/office/drawing/2010/main">
+                      <a14:imgLayer r:embed="rId8">
+                        <a14:imgEffect>
+                          <a14:backgroundRemoval t="9524" b="96429" l="9699" r="98328">
+                            <a14:foregroundMark x1="26421" y1="92262" x2="26421" y2="92262"/>
+                            <a14:foregroundMark x1="25753" y1="96429" x2="25753" y2="96429"/>
+                            <a14:foregroundMark x1="93980" y1="61905" x2="93980" y2="61905"/>
+                            <a14:foregroundMark x1="98328" y1="63690" x2="98328" y2="63690"/>
+                            <a14:foregroundMark x1="74247" y1="23810" x2="74247" y2="23810"/>
+                            <a14:foregroundMark x1="66221" y1="22024" x2="66221" y2="22024"/>
+                            <a14:foregroundMark x1="58863" y1="22024" x2="58863" y2="22024"/>
+                            <a14:foregroundMark x1="59866" y1="18452" x2="59866" y2="18452"/>
+                            <a14:foregroundMark x1="70569" y1="17857" x2="70569" y2="17857"/>
+                            <a14:foregroundMark x1="54849" y1="21429" x2="54849" y2="21429"/>
+                            <a14:foregroundMark x1="78261" y1="22024" x2="78261" y2="22024"/>
+                          </a14:backgroundRemoval>
+                        </a14:imgEffect>
+                      </a14:imgLayer>
+                    </a14:imgProps>
+                  </a:ext>
+                  <a:ext uri="{28A0092B-C50C-407E-A947-70E740481C1C}">
+                    <a14:useLocalDpi xmlns:a14="http://schemas.microsoft.com/office/drawing/2010/main" val="0"/>
+                  </a:ext>
+                </a:extLst>
+              </a:blip>
+              <a:srcRect/>
+              <a:stretch>
+                <a:fillRect/>
+              </a:stretch>
+            </p:blipFill>
+            <p:spPr bwMode="auto">
+              <a:xfrm rot="19527663">
+                <a:off x="9251397" y="3067473"/>
+                <a:ext cx="1369094" cy="769257"/>
+              </a:xfrm>
+              <a:prstGeom prst="rect">
+                <a:avLst/>
+              </a:prstGeom>
+              <a:noFill/>
+              <a:extLst>
+                <a:ext uri="{909E8E84-426E-40DD-AFC4-6F175D3DCCD1}">
+                  <a14:hiddenFill xmlns:a14="http://schemas.microsoft.com/office/drawing/2010/main">
+                    <a:solidFill>
+                      <a:srgbClr val="FFFFFF"/>
+                    </a:solidFill>
+                  </a14:hiddenFill>
+                </a:ext>
+              </a:extLst>
+            </p:spPr>
+          </p:pic>
+          <p:sp>
+            <p:nvSpPr>
+              <p:cNvPr id="9" name="Rectangle 8">
+                <a:extLst>
+                  <a:ext uri="{FF2B5EF4-FFF2-40B4-BE49-F238E27FC236}">
+                    <a16:creationId xmlns:a16="http://schemas.microsoft.com/office/drawing/2014/main" id="{B28F469E-AD50-49B2-9678-4006C1E87436}"/>
+                  </a:ext>
+                </a:extLst>
+              </p:cNvPr>
+              <p:cNvSpPr/>
+              <p:nvPr/>
+            </p:nvSpPr>
+            <p:spPr>
+              <a:xfrm>
+                <a:off x="6518247" y="4075258"/>
+                <a:ext cx="3137482" cy="67112"/>
+              </a:xfrm>
+              <a:prstGeom prst="rect">
+                <a:avLst/>
+              </a:prstGeom>
+              <a:solidFill>
+                <a:srgbClr val="F73B27"/>
+              </a:solidFill>
+              <a:ln>
+                <a:noFill/>
+              </a:ln>
+            </p:spPr>
+            <p:style>
+              <a:lnRef idx="2">
+                <a:schemeClr val="accent2">
+                  <a:shade val="50000"/>
+                </a:schemeClr>
+              </a:lnRef>
+              <a:fillRef idx="1">
+                <a:schemeClr val="accent2"/>
+              </a:fillRef>
+              <a:effectRef idx="0">
+                <a:schemeClr val="accent2"/>
+              </a:effectRef>
+              <a:fontRef idx="minor">
+                <a:schemeClr val="lt1"/>
+              </a:fontRef>
+            </p:style>
+            <p:txBody>
+              <a:bodyPr rtlCol="0" anchor="ctr"/>
+              <a:lstStyle/>
+              <a:p>
+                <a:pPr algn="ctr"/>
+                <a:endParaRPr lang="en-GB"/>
+              </a:p>
+            </p:txBody>
+          </p:sp>
+        </p:grpSp>
         <p:pic>
           <p:nvPicPr>
-            <p:cNvPr id="8" name="Picture 7">
+            <p:cNvPr id="1030" name="Picture 6" descr="Image result for ifinity war ships">
               <a:extLst>
                 <a:ext uri="{FF2B5EF4-FFF2-40B4-BE49-F238E27FC236}">
-                  <a16:creationId xmlns:a16="http://schemas.microsoft.com/office/drawing/2014/main" id="{46D89C9B-65B1-4C43-9C7A-277B6A45B6EE}"/>
-                </a:ext>
-              </a:extLst>
-            </p:cNvPr>
-            <p:cNvPicPr>
-              <a:picLocks noChangeAspect="1"/>
-            </p:cNvPicPr>
-            <p:nvPr/>
-          </p:nvPicPr>
-          <p:blipFill>
-            <a:blip r:embed="rId4">
-              <a:extLst>
-                <a:ext uri="{BEBA8EAE-BF5A-486C-A8C5-ECC9F3942E4B}">
-                  <a14:imgProps xmlns:a14="http://schemas.microsoft.com/office/drawing/2010/main">
-                    <a14:imgLayer r:embed="rId5">
-                      <a14:imgEffect>
-                        <a14:backgroundRemoval t="9290" b="88525" l="1087" r="98913">
-                          <a14:foregroundMark x1="5797" y1="53005" x2="5797" y2="53005"/>
-                          <a14:foregroundMark x1="4710" y1="50273" x2="4710" y2="50273"/>
-                          <a14:foregroundMark x1="1449" y1="53552" x2="1449" y2="53552"/>
-                          <a14:foregroundMark x1="92029" y1="48634" x2="92029" y2="48634"/>
-                          <a14:foregroundMark x1="95290" y1="48634" x2="95290" y2="48634"/>
-                          <a14:foregroundMark x1="98913" y1="48634" x2="98913" y2="48634"/>
-                          <a14:backgroundMark x1="50000" y1="13661" x2="50000" y2="13661"/>
-                          <a14:backgroundMark x1="52174" y1="24590" x2="52174" y2="24590"/>
-                          <a14:backgroundMark x1="34783" y1="30055" x2="34783" y2="30055"/>
-                          <a14:backgroundMark x1="45290" y1="35519" x2="45290" y2="35519"/>
-                          <a14:backgroundMark x1="37319" y1="78142" x2="37319" y2="78142"/>
-                          <a14:backgroundMark x1="64493" y1="36066" x2="64493" y2="36066"/>
-                          <a14:backgroundMark x1="24275" y1="34973" x2="24275" y2="34973"/>
-                          <a14:backgroundMark x1="29710" y1="36612" x2="29710" y2="36612"/>
-                          <a14:backgroundMark x1="37319" y1="38251" x2="37319" y2="38251"/>
-                        </a14:backgroundRemoval>
-                      </a14:imgEffect>
-                    </a14:imgLayer>
-                  </a14:imgProps>
-                </a:ext>
-              </a:extLst>
-            </a:blip>
-            <a:stretch>
-              <a:fillRect/>
-            </a:stretch>
-          </p:blipFill>
-          <p:spPr>
-            <a:xfrm>
-              <a:off x="7166120" y="504254"/>
-              <a:ext cx="3387230" cy="737622"/>
-            </a:xfrm>
-            <a:prstGeom prst="rect">
-              <a:avLst/>
-            </a:prstGeom>
-          </p:spPr>
-        </p:pic>
-      </p:grpSp>
-      <p:grpSp>
-        <p:nvGrpSpPr>
-          <p:cNvPr id="10" name="Group 9">
-            <a:extLst>
-              <a:ext uri="{FF2B5EF4-FFF2-40B4-BE49-F238E27FC236}">
-                <a16:creationId xmlns:a16="http://schemas.microsoft.com/office/drawing/2014/main" id="{B744564B-195B-4BEF-A795-004613C8C08F}"/>
-              </a:ext>
-            </a:extLst>
-          </p:cNvPr>
-          <p:cNvGrpSpPr/>
-          <p:nvPr/>
-        </p:nvGrpSpPr>
-        <p:grpSpPr>
-          <a:xfrm flipH="1">
-            <a:off x="-3441" y="1550972"/>
-            <a:ext cx="5044762" cy="2007868"/>
-            <a:chOff x="6333709" y="3067473"/>
-            <a:chExt cx="4740095" cy="2007868"/>
-          </a:xfrm>
-        </p:grpSpPr>
-        <p:pic>
-          <p:nvPicPr>
-            <p:cNvPr id="7" name="Picture 6">
-              <a:extLst>
-                <a:ext uri="{FF2B5EF4-FFF2-40B4-BE49-F238E27FC236}">
-                  <a16:creationId xmlns:a16="http://schemas.microsoft.com/office/drawing/2014/main" id="{73BC574A-0DAE-4D78-9BC2-5B9BFB4A1B3C}"/>
-                </a:ext>
-              </a:extLst>
-            </p:cNvPr>
-            <p:cNvPicPr>
-              <a:picLocks noChangeAspect="1"/>
-            </p:cNvPicPr>
-            <p:nvPr/>
-          </p:nvPicPr>
-          <p:blipFill>
-            <a:blip r:embed="rId6"/>
-            <a:stretch>
-              <a:fillRect/>
-            </a:stretch>
-          </p:blipFill>
-          <p:spPr>
-            <a:xfrm>
-              <a:off x="6333709" y="3592630"/>
-              <a:ext cx="4740095" cy="1482711"/>
-            </a:xfrm>
-            <a:prstGeom prst="rect">
-              <a:avLst/>
-            </a:prstGeom>
-          </p:spPr>
-        </p:pic>
-        <p:pic>
-          <p:nvPicPr>
-            <p:cNvPr id="1028" name="Picture 4" descr="Image result for steam">
-              <a:extLst>
-                <a:ext uri="{FF2B5EF4-FFF2-40B4-BE49-F238E27FC236}">
-                  <a16:creationId xmlns:a16="http://schemas.microsoft.com/office/drawing/2014/main" id="{5C26C7F9-52D0-4947-894B-764966A653D2}"/>
+                  <a16:creationId xmlns:a16="http://schemas.microsoft.com/office/drawing/2014/main" id="{6453E787-545B-44E4-8530-BBCE776EB80D}"/>
                 </a:ext>
               </a:extLst>
             </p:cNvPr>
@@ -3551,29 +3692,8 @@
             <p:nvPr/>
           </p:nvPicPr>
           <p:blipFill>
-            <a:blip r:embed="rId7">
+            <a:blip r:embed="rId9">
               <a:extLst>
-                <a:ext uri="{BEBA8EAE-BF5A-486C-A8C5-ECC9F3942E4B}">
-                  <a14:imgProps xmlns:a14="http://schemas.microsoft.com/office/drawing/2010/main">
-                    <a14:imgLayer r:embed="rId8">
-                      <a14:imgEffect>
-                        <a14:backgroundRemoval t="9524" b="96429" l="9699" r="98328">
-                          <a14:foregroundMark x1="26421" y1="92262" x2="26421" y2="92262"/>
-                          <a14:foregroundMark x1="25753" y1="96429" x2="25753" y2="96429"/>
-                          <a14:foregroundMark x1="93980" y1="61905" x2="93980" y2="61905"/>
-                          <a14:foregroundMark x1="98328" y1="63690" x2="98328" y2="63690"/>
-                          <a14:foregroundMark x1="74247" y1="23810" x2="74247" y2="23810"/>
-                          <a14:foregroundMark x1="66221" y1="22024" x2="66221" y2="22024"/>
-                          <a14:foregroundMark x1="58863" y1="22024" x2="58863" y2="22024"/>
-                          <a14:foregroundMark x1="59866" y1="18452" x2="59866" y2="18452"/>
-                          <a14:foregroundMark x1="70569" y1="17857" x2="70569" y2="17857"/>
-                          <a14:foregroundMark x1="54849" y1="21429" x2="54849" y2="21429"/>
-                          <a14:foregroundMark x1="78261" y1="22024" x2="78261" y2="22024"/>
-                        </a14:backgroundRemoval>
-                      </a14:imgEffect>
-                    </a14:imgLayer>
-                  </a14:imgProps>
-                </a:ext>
                 <a:ext uri="{28A0092B-C50C-407E-A947-70E740481C1C}">
                   <a14:useLocalDpi xmlns:a14="http://schemas.microsoft.com/office/drawing/2010/main" val="0"/>
                 </a:ext>
@@ -3585,9 +3705,9 @@
             </a:stretch>
           </p:blipFill>
           <p:spPr bwMode="auto">
-            <a:xfrm rot="19527663">
-              <a:off x="9251397" y="3067473"/>
-              <a:ext cx="1369094" cy="769257"/>
+            <a:xfrm>
+              <a:off x="8841342" y="321751"/>
+              <a:ext cx="2766336" cy="1554329"/>
             </a:xfrm>
             <a:prstGeom prst="rect">
               <a:avLst/>
@@ -3604,12 +3724,102 @@
             </a:extLst>
           </p:spPr>
         </p:pic>
+        <p:pic>
+          <p:nvPicPr>
+            <p:cNvPr id="12" name="Picture 11">
+              <a:extLst>
+                <a:ext uri="{FF2B5EF4-FFF2-40B4-BE49-F238E27FC236}">
+                  <a16:creationId xmlns:a16="http://schemas.microsoft.com/office/drawing/2014/main" id="{C9F72FE2-0E41-48C6-8B32-432C6D6EE690}"/>
+                </a:ext>
+              </a:extLst>
+            </p:cNvPr>
+            <p:cNvPicPr>
+              <a:picLocks noChangeAspect="1"/>
+            </p:cNvPicPr>
+            <p:nvPr/>
+          </p:nvPicPr>
+          <p:blipFill>
+            <a:blip r:embed="rId10"/>
+            <a:stretch>
+              <a:fillRect/>
+            </a:stretch>
+          </p:blipFill>
+          <p:spPr>
+            <a:xfrm>
+              <a:off x="309112" y="4477448"/>
+              <a:ext cx="2393335" cy="1925820"/>
+            </a:xfrm>
+            <a:prstGeom prst="rect">
+              <a:avLst/>
+            </a:prstGeom>
+          </p:spPr>
+        </p:pic>
+        <p:pic>
+          <p:nvPicPr>
+            <p:cNvPr id="2" name="Picture 1">
+              <a:extLst>
+                <a:ext uri="{FF2B5EF4-FFF2-40B4-BE49-F238E27FC236}">
+                  <a16:creationId xmlns:a16="http://schemas.microsoft.com/office/drawing/2014/main" id="{D68557E1-7A8D-4415-B1F8-B8DC39CDF4FD}"/>
+                </a:ext>
+              </a:extLst>
+            </p:cNvPr>
+            <p:cNvPicPr>
+              <a:picLocks noChangeAspect="1"/>
+            </p:cNvPicPr>
+            <p:nvPr/>
+          </p:nvPicPr>
+          <p:blipFill>
+            <a:blip r:embed="rId11"/>
+            <a:stretch>
+              <a:fillRect/>
+            </a:stretch>
+          </p:blipFill>
+          <p:spPr>
+            <a:xfrm>
+              <a:off x="6564268" y="2300717"/>
+              <a:ext cx="5318620" cy="3129313"/>
+            </a:xfrm>
+            <a:prstGeom prst="rect">
+              <a:avLst/>
+            </a:prstGeom>
+          </p:spPr>
+        </p:pic>
+        <p:pic>
+          <p:nvPicPr>
+            <p:cNvPr id="3" name="Picture 2">
+              <a:extLst>
+                <a:ext uri="{FF2B5EF4-FFF2-40B4-BE49-F238E27FC236}">
+                  <a16:creationId xmlns:a16="http://schemas.microsoft.com/office/drawing/2014/main" id="{E4431C34-89AD-426D-B5A0-95AF1051856D}"/>
+                </a:ext>
+              </a:extLst>
+            </p:cNvPr>
+            <p:cNvPicPr>
+              <a:picLocks noChangeAspect="1"/>
+            </p:cNvPicPr>
+            <p:nvPr/>
+          </p:nvPicPr>
+          <p:blipFill>
+            <a:blip r:embed="rId12"/>
+            <a:stretch>
+              <a:fillRect/>
+            </a:stretch>
+          </p:blipFill>
+          <p:spPr>
+            <a:xfrm>
+              <a:off x="2761170" y="4477448"/>
+              <a:ext cx="2824537" cy="1925820"/>
+            </a:xfrm>
+            <a:prstGeom prst="rect">
+              <a:avLst/>
+            </a:prstGeom>
+          </p:spPr>
+        </p:pic>
         <p:sp>
           <p:nvSpPr>
-            <p:cNvPr id="9" name="Rectangle 8">
+            <p:cNvPr id="5" name="Oval 4">
               <a:extLst>
                 <a:ext uri="{FF2B5EF4-FFF2-40B4-BE49-F238E27FC236}">
-                  <a16:creationId xmlns:a16="http://schemas.microsoft.com/office/drawing/2014/main" id="{B28F469E-AD50-49B2-9678-4006C1E87436}"/>
+                  <a16:creationId xmlns:a16="http://schemas.microsoft.com/office/drawing/2014/main" id="{F5E1CA1F-D4E1-4631-9165-40D8910D6E4C}"/>
                 </a:ext>
               </a:extLst>
             </p:cNvPr>
@@ -3618,30 +3828,30 @@
           </p:nvSpPr>
           <p:spPr>
             <a:xfrm>
-              <a:off x="6518247" y="4075258"/>
-              <a:ext cx="3137482" cy="67112"/>
+              <a:off x="10224510" y="3645780"/>
+              <a:ext cx="496619" cy="474867"/>
             </a:xfrm>
-            <a:prstGeom prst="rect">
+            <a:prstGeom prst="ellipse">
               <a:avLst/>
             </a:prstGeom>
-            <a:solidFill>
-              <a:srgbClr val="F73B27"/>
-            </a:solidFill>
-            <a:ln>
-              <a:noFill/>
+            <a:noFill/>
+            <a:ln w="19050">
+              <a:solidFill>
+                <a:srgbClr val="FF0000"/>
+              </a:solidFill>
             </a:ln>
           </p:spPr>
           <p:style>
             <a:lnRef idx="2">
-              <a:schemeClr val="accent2">
+              <a:schemeClr val="accent1">
                 <a:shade val="50000"/>
               </a:schemeClr>
             </a:lnRef>
             <a:fillRef idx="1">
-              <a:schemeClr val="accent2"/>
+              <a:schemeClr val="accent1"/>
             </a:fillRef>
             <a:effectRef idx="0">
-              <a:schemeClr val="accent2"/>
+              <a:schemeClr val="accent1"/>
             </a:effectRef>
             <a:fontRef idx="minor">
               <a:schemeClr val="lt1"/>
@@ -3656,458 +3866,269 @@
             </a:p>
           </p:txBody>
         </p:sp>
+        <p:sp>
+          <p:nvSpPr>
+            <p:cNvPr id="15" name="Oval 14">
+              <a:extLst>
+                <a:ext uri="{FF2B5EF4-FFF2-40B4-BE49-F238E27FC236}">
+                  <a16:creationId xmlns:a16="http://schemas.microsoft.com/office/drawing/2014/main" id="{820C90E7-3769-4440-B250-E1AC45AB9A25}"/>
+                </a:ext>
+              </a:extLst>
+            </p:cNvPr>
+            <p:cNvSpPr/>
+            <p:nvPr/>
+          </p:nvSpPr>
+          <p:spPr>
+            <a:xfrm>
+              <a:off x="6952235" y="3386865"/>
+              <a:ext cx="347586" cy="343949"/>
+            </a:xfrm>
+            <a:prstGeom prst="ellipse">
+              <a:avLst/>
+            </a:prstGeom>
+            <a:noFill/>
+            <a:ln w="19050">
+              <a:solidFill>
+                <a:srgbClr val="FF0000"/>
+              </a:solidFill>
+            </a:ln>
+          </p:spPr>
+          <p:style>
+            <a:lnRef idx="2">
+              <a:schemeClr val="accent1">
+                <a:shade val="50000"/>
+              </a:schemeClr>
+            </a:lnRef>
+            <a:fillRef idx="1">
+              <a:schemeClr val="accent1"/>
+            </a:fillRef>
+            <a:effectRef idx="0">
+              <a:schemeClr val="accent1"/>
+            </a:effectRef>
+            <a:fontRef idx="minor">
+              <a:schemeClr val="lt1"/>
+            </a:fontRef>
+          </p:style>
+          <p:txBody>
+            <a:bodyPr rtlCol="0" anchor="ctr"/>
+            <a:lstStyle/>
+            <a:p>
+              <a:pPr algn="ctr"/>
+              <a:endParaRPr lang="en-GB"/>
+            </a:p>
+          </p:txBody>
+        </p:sp>
+        <p:sp>
+          <p:nvSpPr>
+            <p:cNvPr id="14" name="TextBox 13">
+              <a:extLst>
+                <a:ext uri="{FF2B5EF4-FFF2-40B4-BE49-F238E27FC236}">
+                  <a16:creationId xmlns:a16="http://schemas.microsoft.com/office/drawing/2014/main" id="{E067ADF0-3ABD-4144-9281-7BF65D4A6CD9}"/>
+                </a:ext>
+              </a:extLst>
+            </p:cNvPr>
+            <p:cNvSpPr txBox="1"/>
+            <p:nvPr/>
+          </p:nvSpPr>
+          <p:spPr>
+            <a:xfrm>
+              <a:off x="6564268" y="3711484"/>
+              <a:ext cx="1092287" cy="276999"/>
+            </a:xfrm>
+            <a:prstGeom prst="rect">
+              <a:avLst/>
+            </a:prstGeom>
+            <a:noFill/>
+          </p:spPr>
+          <p:txBody>
+            <a:bodyPr wrap="none" rtlCol="0">
+              <a:spAutoFit/>
+            </a:bodyPr>
+            <a:lstStyle/>
+            <a:p>
+              <a:r>
+                <a:rPr lang="en-GB" sz="1200" dirty="0"/>
+                <a:t>Placeable gear</a:t>
+              </a:r>
+            </a:p>
+          </p:txBody>
+        </p:sp>
+        <p:sp>
+          <p:nvSpPr>
+            <p:cNvPr id="18" name="TextBox 17">
+              <a:extLst>
+                <a:ext uri="{FF2B5EF4-FFF2-40B4-BE49-F238E27FC236}">
+                  <a16:creationId xmlns:a16="http://schemas.microsoft.com/office/drawing/2014/main" id="{7FED8FBC-44A9-4FF2-B830-D8A5180E5E1A}"/>
+                </a:ext>
+              </a:extLst>
+            </p:cNvPr>
+            <p:cNvSpPr txBox="1"/>
+            <p:nvPr/>
+          </p:nvSpPr>
+          <p:spPr>
+            <a:xfrm>
+              <a:off x="9762946" y="3198167"/>
+              <a:ext cx="2053098" cy="461665"/>
+            </a:xfrm>
+            <a:prstGeom prst="rect">
+              <a:avLst/>
+            </a:prstGeom>
+            <a:noFill/>
+          </p:spPr>
+          <p:txBody>
+            <a:bodyPr wrap="square" rtlCol="0">
+              <a:spAutoFit/>
+            </a:bodyPr>
+            <a:lstStyle/>
+            <a:p>
+              <a:r>
+                <a:rPr lang="en-GB" sz="1200" dirty="0"/>
+                <a:t>Object that needs to be removed by Ethan's jump</a:t>
+              </a:r>
+            </a:p>
+          </p:txBody>
+        </p:sp>
+        <p:sp>
+          <p:nvSpPr>
+            <p:cNvPr id="16" name="TextBox 15">
+              <a:extLst>
+                <a:ext uri="{FF2B5EF4-FFF2-40B4-BE49-F238E27FC236}">
+                  <a16:creationId xmlns:a16="http://schemas.microsoft.com/office/drawing/2014/main" id="{F4DC180E-C840-45C5-8D4D-EC9034BEE84B}"/>
+                </a:ext>
+              </a:extLst>
+            </p:cNvPr>
+            <p:cNvSpPr txBox="1"/>
+            <p:nvPr/>
+          </p:nvSpPr>
+          <p:spPr>
+            <a:xfrm>
+              <a:off x="2223625" y="6397749"/>
+              <a:ext cx="1651981" cy="276999"/>
+            </a:xfrm>
+            <a:prstGeom prst="rect">
+              <a:avLst/>
+            </a:prstGeom>
+            <a:noFill/>
+          </p:spPr>
+          <p:txBody>
+            <a:bodyPr wrap="square" rtlCol="0">
+              <a:spAutoFit/>
+            </a:bodyPr>
+            <a:lstStyle/>
+            <a:p>
+              <a:r>
+                <a:rPr lang="en-GB" sz="1200" dirty="0"/>
+                <a:t>Camera angles</a:t>
+              </a:r>
+            </a:p>
+          </p:txBody>
+        </p:sp>
+        <p:sp>
+          <p:nvSpPr>
+            <p:cNvPr id="17" name="TextBox 16">
+              <a:extLst>
+                <a:ext uri="{FF2B5EF4-FFF2-40B4-BE49-F238E27FC236}">
+                  <a16:creationId xmlns:a16="http://schemas.microsoft.com/office/drawing/2014/main" id="{3BF2E6B0-A206-4F10-80E6-230ED80D980B}"/>
+                </a:ext>
+              </a:extLst>
+            </p:cNvPr>
+            <p:cNvSpPr txBox="1"/>
+            <p:nvPr/>
+          </p:nvSpPr>
+          <p:spPr>
+            <a:xfrm>
+              <a:off x="9371616" y="1829488"/>
+              <a:ext cx="1705788" cy="276999"/>
+            </a:xfrm>
+            <a:prstGeom prst="rect">
+              <a:avLst/>
+            </a:prstGeom>
+            <a:noFill/>
+          </p:spPr>
+          <p:txBody>
+            <a:bodyPr wrap="none" rtlCol="0">
+              <a:spAutoFit/>
+            </a:bodyPr>
+            <a:lstStyle/>
+            <a:p>
+              <a:r>
+                <a:rPr lang="en-GB" sz="1200" dirty="0"/>
+                <a:t>Intended particle effects</a:t>
+              </a:r>
+            </a:p>
+          </p:txBody>
+        </p:sp>
+        <p:sp>
+          <p:nvSpPr>
+            <p:cNvPr id="19" name="TextBox 18">
+              <a:extLst>
+                <a:ext uri="{FF2B5EF4-FFF2-40B4-BE49-F238E27FC236}">
+                  <a16:creationId xmlns:a16="http://schemas.microsoft.com/office/drawing/2014/main" id="{A24B13E0-CE68-4391-A87F-167DD4D8C6A0}"/>
+                </a:ext>
+              </a:extLst>
+            </p:cNvPr>
+            <p:cNvSpPr txBox="1"/>
+            <p:nvPr/>
+          </p:nvSpPr>
+          <p:spPr>
+            <a:xfrm>
+              <a:off x="2014755" y="1392664"/>
+              <a:ext cx="1143005" cy="276999"/>
+            </a:xfrm>
+            <a:prstGeom prst="rect">
+              <a:avLst/>
+            </a:prstGeom>
+            <a:noFill/>
+          </p:spPr>
+          <p:txBody>
+            <a:bodyPr wrap="none" rtlCol="0">
+              <a:spAutoFit/>
+            </a:bodyPr>
+            <a:lstStyle/>
+            <a:p>
+              <a:r>
+                <a:rPr lang="en-GB" sz="1200" dirty="0"/>
+                <a:t>Gun firing state</a:t>
+              </a:r>
+            </a:p>
+          </p:txBody>
+        </p:sp>
+        <p:sp>
+          <p:nvSpPr>
+            <p:cNvPr id="22" name="TextBox 21">
+              <a:extLst>
+                <a:ext uri="{FF2B5EF4-FFF2-40B4-BE49-F238E27FC236}">
+                  <a16:creationId xmlns:a16="http://schemas.microsoft.com/office/drawing/2014/main" id="{6CD361A6-C085-4082-8395-8580D2FFCFDA}"/>
+                </a:ext>
+              </a:extLst>
+            </p:cNvPr>
+            <p:cNvSpPr txBox="1"/>
+            <p:nvPr/>
+          </p:nvSpPr>
+          <p:spPr>
+            <a:xfrm>
+              <a:off x="2012514" y="3505540"/>
+              <a:ext cx="1379865" cy="276999"/>
+            </a:xfrm>
+            <a:prstGeom prst="rect">
+              <a:avLst/>
+            </a:prstGeom>
+            <a:noFill/>
+          </p:spPr>
+          <p:txBody>
+            <a:bodyPr wrap="none" rtlCol="0">
+              <a:spAutoFit/>
+            </a:bodyPr>
+            <a:lstStyle/>
+            <a:p>
+              <a:r>
+                <a:rPr lang="en-GB" sz="1200" dirty="0"/>
+                <a:t>Gun overheat state</a:t>
+              </a:r>
+            </a:p>
+          </p:txBody>
+        </p:sp>
       </p:grpSp>
-      <p:pic>
-        <p:nvPicPr>
-          <p:cNvPr id="1030" name="Picture 6" descr="Image result for ifinity war ships">
-            <a:extLst>
-              <a:ext uri="{FF2B5EF4-FFF2-40B4-BE49-F238E27FC236}">
-                <a16:creationId xmlns:a16="http://schemas.microsoft.com/office/drawing/2014/main" id="{6453E787-545B-44E4-8530-BBCE776EB80D}"/>
-              </a:ext>
-            </a:extLst>
-          </p:cNvPr>
-          <p:cNvPicPr>
-            <a:picLocks noChangeAspect="1" noChangeArrowheads="1"/>
-          </p:cNvPicPr>
-          <p:nvPr/>
-        </p:nvPicPr>
-        <p:blipFill>
-          <a:blip r:embed="rId9">
-            <a:extLst>
-              <a:ext uri="{28A0092B-C50C-407E-A947-70E740481C1C}">
-                <a14:useLocalDpi xmlns:a14="http://schemas.microsoft.com/office/drawing/2010/main" val="0"/>
-              </a:ext>
-            </a:extLst>
-          </a:blip>
-          <a:srcRect/>
-          <a:stretch>
-            <a:fillRect/>
-          </a:stretch>
-        </p:blipFill>
-        <p:spPr bwMode="auto">
-          <a:xfrm>
-            <a:off x="8841342" y="321751"/>
-            <a:ext cx="2766336" cy="1554329"/>
-          </a:xfrm>
-          <a:prstGeom prst="rect">
-            <a:avLst/>
-          </a:prstGeom>
-          <a:noFill/>
-          <a:extLst>
-            <a:ext uri="{909E8E84-426E-40DD-AFC4-6F175D3DCCD1}">
-              <a14:hiddenFill xmlns:a14="http://schemas.microsoft.com/office/drawing/2010/main">
-                <a:solidFill>
-                  <a:srgbClr val="FFFFFF"/>
-                </a:solidFill>
-              </a14:hiddenFill>
-            </a:ext>
-          </a:extLst>
-        </p:spPr>
-      </p:pic>
-      <p:pic>
-        <p:nvPicPr>
-          <p:cNvPr id="12" name="Picture 11">
-            <a:extLst>
-              <a:ext uri="{FF2B5EF4-FFF2-40B4-BE49-F238E27FC236}">
-                <a16:creationId xmlns:a16="http://schemas.microsoft.com/office/drawing/2014/main" id="{C9F72FE2-0E41-48C6-8B32-432C6D6EE690}"/>
-              </a:ext>
-            </a:extLst>
-          </p:cNvPr>
-          <p:cNvPicPr>
-            <a:picLocks noChangeAspect="1"/>
-          </p:cNvPicPr>
-          <p:nvPr/>
-        </p:nvPicPr>
-        <p:blipFill>
-          <a:blip r:embed="rId10"/>
-          <a:stretch>
-            <a:fillRect/>
-          </a:stretch>
-        </p:blipFill>
-        <p:spPr>
-          <a:xfrm>
-            <a:off x="309112" y="4477448"/>
-            <a:ext cx="2393335" cy="1925820"/>
-          </a:xfrm>
-          <a:prstGeom prst="rect">
-            <a:avLst/>
-          </a:prstGeom>
-        </p:spPr>
-      </p:pic>
-      <p:pic>
-        <p:nvPicPr>
-          <p:cNvPr id="2" name="Picture 1">
-            <a:extLst>
-              <a:ext uri="{FF2B5EF4-FFF2-40B4-BE49-F238E27FC236}">
-                <a16:creationId xmlns:a16="http://schemas.microsoft.com/office/drawing/2014/main" id="{D68557E1-7A8D-4415-B1F8-B8DC39CDF4FD}"/>
-              </a:ext>
-            </a:extLst>
-          </p:cNvPr>
-          <p:cNvPicPr>
-            <a:picLocks noChangeAspect="1"/>
-          </p:cNvPicPr>
-          <p:nvPr/>
-        </p:nvPicPr>
-        <p:blipFill>
-          <a:blip r:embed="rId11"/>
-          <a:stretch>
-            <a:fillRect/>
-          </a:stretch>
-        </p:blipFill>
-        <p:spPr>
-          <a:xfrm>
-            <a:off x="6564268" y="2300717"/>
-            <a:ext cx="5318620" cy="3129313"/>
-          </a:xfrm>
-          <a:prstGeom prst="rect">
-            <a:avLst/>
-          </a:prstGeom>
-        </p:spPr>
-      </p:pic>
-      <p:pic>
-        <p:nvPicPr>
-          <p:cNvPr id="3" name="Picture 2">
-            <a:extLst>
-              <a:ext uri="{FF2B5EF4-FFF2-40B4-BE49-F238E27FC236}">
-                <a16:creationId xmlns:a16="http://schemas.microsoft.com/office/drawing/2014/main" id="{E4431C34-89AD-426D-B5A0-95AF1051856D}"/>
-              </a:ext>
-            </a:extLst>
-          </p:cNvPr>
-          <p:cNvPicPr>
-            <a:picLocks noChangeAspect="1"/>
-          </p:cNvPicPr>
-          <p:nvPr/>
-        </p:nvPicPr>
-        <p:blipFill>
-          <a:blip r:embed="rId12"/>
-          <a:stretch>
-            <a:fillRect/>
-          </a:stretch>
-        </p:blipFill>
-        <p:spPr>
-          <a:xfrm>
-            <a:off x="2761170" y="4477448"/>
-            <a:ext cx="2824537" cy="1925820"/>
-          </a:xfrm>
-          <a:prstGeom prst="rect">
-            <a:avLst/>
-          </a:prstGeom>
-        </p:spPr>
-      </p:pic>
-      <p:sp>
-        <p:nvSpPr>
-          <p:cNvPr id="5" name="Oval 4">
-            <a:extLst>
-              <a:ext uri="{FF2B5EF4-FFF2-40B4-BE49-F238E27FC236}">
-                <a16:creationId xmlns:a16="http://schemas.microsoft.com/office/drawing/2014/main" id="{F5E1CA1F-D4E1-4631-9165-40D8910D6E4C}"/>
-              </a:ext>
-            </a:extLst>
-          </p:cNvPr>
-          <p:cNvSpPr/>
-          <p:nvPr/>
-        </p:nvSpPr>
-        <p:spPr>
-          <a:xfrm>
-            <a:off x="10224510" y="3645780"/>
-            <a:ext cx="496619" cy="474867"/>
-          </a:xfrm>
-          <a:prstGeom prst="ellipse">
-            <a:avLst/>
-          </a:prstGeom>
-          <a:noFill/>
-          <a:ln w="19050">
-            <a:solidFill>
-              <a:srgbClr val="FF0000"/>
-            </a:solidFill>
-          </a:ln>
-        </p:spPr>
-        <p:style>
-          <a:lnRef idx="2">
-            <a:schemeClr val="accent1">
-              <a:shade val="50000"/>
-            </a:schemeClr>
-          </a:lnRef>
-          <a:fillRef idx="1">
-            <a:schemeClr val="accent1"/>
-          </a:fillRef>
-          <a:effectRef idx="0">
-            <a:schemeClr val="accent1"/>
-          </a:effectRef>
-          <a:fontRef idx="minor">
-            <a:schemeClr val="lt1"/>
-          </a:fontRef>
-        </p:style>
-        <p:txBody>
-          <a:bodyPr rtlCol="0" anchor="ctr"/>
-          <a:lstStyle/>
-          <a:p>
-            <a:pPr algn="ctr"/>
-            <a:endParaRPr lang="en-GB"/>
-          </a:p>
-        </p:txBody>
-      </p:sp>
-      <p:sp>
-        <p:nvSpPr>
-          <p:cNvPr id="15" name="Oval 14">
-            <a:extLst>
-              <a:ext uri="{FF2B5EF4-FFF2-40B4-BE49-F238E27FC236}">
-                <a16:creationId xmlns:a16="http://schemas.microsoft.com/office/drawing/2014/main" id="{820C90E7-3769-4440-B250-E1AC45AB9A25}"/>
-              </a:ext>
-            </a:extLst>
-          </p:cNvPr>
-          <p:cNvSpPr/>
-          <p:nvPr/>
-        </p:nvSpPr>
-        <p:spPr>
-          <a:xfrm>
-            <a:off x="6952235" y="3386865"/>
-            <a:ext cx="347586" cy="343949"/>
-          </a:xfrm>
-          <a:prstGeom prst="ellipse">
-            <a:avLst/>
-          </a:prstGeom>
-          <a:noFill/>
-          <a:ln w="19050">
-            <a:solidFill>
-              <a:srgbClr val="FF0000"/>
-            </a:solidFill>
-          </a:ln>
-        </p:spPr>
-        <p:style>
-          <a:lnRef idx="2">
-            <a:schemeClr val="accent1">
-              <a:shade val="50000"/>
-            </a:schemeClr>
-          </a:lnRef>
-          <a:fillRef idx="1">
-            <a:schemeClr val="accent1"/>
-          </a:fillRef>
-          <a:effectRef idx="0">
-            <a:schemeClr val="accent1"/>
-          </a:effectRef>
-          <a:fontRef idx="minor">
-            <a:schemeClr val="lt1"/>
-          </a:fontRef>
-        </p:style>
-        <p:txBody>
-          <a:bodyPr rtlCol="0" anchor="ctr"/>
-          <a:lstStyle/>
-          <a:p>
-            <a:pPr algn="ctr"/>
-            <a:endParaRPr lang="en-GB"/>
-          </a:p>
-        </p:txBody>
-      </p:sp>
-      <p:sp>
-        <p:nvSpPr>
-          <p:cNvPr id="14" name="TextBox 13">
-            <a:extLst>
-              <a:ext uri="{FF2B5EF4-FFF2-40B4-BE49-F238E27FC236}">
-                <a16:creationId xmlns:a16="http://schemas.microsoft.com/office/drawing/2014/main" id="{E067ADF0-3ABD-4144-9281-7BF65D4A6CD9}"/>
-              </a:ext>
-            </a:extLst>
-          </p:cNvPr>
-          <p:cNvSpPr txBox="1"/>
-          <p:nvPr/>
-        </p:nvSpPr>
-        <p:spPr>
-          <a:xfrm>
-            <a:off x="6564268" y="3711484"/>
-            <a:ext cx="1092287" cy="276999"/>
-          </a:xfrm>
-          <a:prstGeom prst="rect">
-            <a:avLst/>
-          </a:prstGeom>
-          <a:noFill/>
-        </p:spPr>
-        <p:txBody>
-          <a:bodyPr wrap="none" rtlCol="0">
-            <a:spAutoFit/>
-          </a:bodyPr>
-          <a:lstStyle/>
-          <a:p>
-            <a:r>
-              <a:rPr lang="en-GB" sz="1200" dirty="0"/>
-              <a:t>Placeable gear</a:t>
-            </a:r>
-          </a:p>
-        </p:txBody>
-      </p:sp>
-      <p:sp>
-        <p:nvSpPr>
-          <p:cNvPr id="18" name="TextBox 17">
-            <a:extLst>
-              <a:ext uri="{FF2B5EF4-FFF2-40B4-BE49-F238E27FC236}">
-                <a16:creationId xmlns:a16="http://schemas.microsoft.com/office/drawing/2014/main" id="{7FED8FBC-44A9-4FF2-B830-D8A5180E5E1A}"/>
-              </a:ext>
-            </a:extLst>
-          </p:cNvPr>
-          <p:cNvSpPr txBox="1"/>
-          <p:nvPr/>
-        </p:nvSpPr>
-        <p:spPr>
-          <a:xfrm>
-            <a:off x="9762946" y="3198167"/>
-            <a:ext cx="2053098" cy="461665"/>
-          </a:xfrm>
-          <a:prstGeom prst="rect">
-            <a:avLst/>
-          </a:prstGeom>
-          <a:noFill/>
-        </p:spPr>
-        <p:txBody>
-          <a:bodyPr wrap="square" rtlCol="0">
-            <a:spAutoFit/>
-          </a:bodyPr>
-          <a:lstStyle/>
-          <a:p>
-            <a:r>
-              <a:rPr lang="en-GB" sz="1200" dirty="0"/>
-              <a:t>Object that needs to be removed by Ethan's jump</a:t>
-            </a:r>
-          </a:p>
-        </p:txBody>
-      </p:sp>
-      <p:sp>
-        <p:nvSpPr>
-          <p:cNvPr id="16" name="TextBox 15">
-            <a:extLst>
-              <a:ext uri="{FF2B5EF4-FFF2-40B4-BE49-F238E27FC236}">
-                <a16:creationId xmlns:a16="http://schemas.microsoft.com/office/drawing/2014/main" id="{F4DC180E-C840-45C5-8D4D-EC9034BEE84B}"/>
-              </a:ext>
-            </a:extLst>
-          </p:cNvPr>
-          <p:cNvSpPr txBox="1"/>
-          <p:nvPr/>
-        </p:nvSpPr>
-        <p:spPr>
-          <a:xfrm>
-            <a:off x="2223625" y="6397749"/>
-            <a:ext cx="1651981" cy="276999"/>
-          </a:xfrm>
-          <a:prstGeom prst="rect">
-            <a:avLst/>
-          </a:prstGeom>
-          <a:noFill/>
-        </p:spPr>
-        <p:txBody>
-          <a:bodyPr wrap="square" rtlCol="0">
-            <a:spAutoFit/>
-          </a:bodyPr>
-          <a:lstStyle/>
-          <a:p>
-            <a:r>
-              <a:rPr lang="en-GB" sz="1200" dirty="0"/>
-              <a:t>Camera angles</a:t>
-            </a:r>
-          </a:p>
-        </p:txBody>
-      </p:sp>
-      <p:sp>
-        <p:nvSpPr>
-          <p:cNvPr id="17" name="TextBox 16">
-            <a:extLst>
-              <a:ext uri="{FF2B5EF4-FFF2-40B4-BE49-F238E27FC236}">
-                <a16:creationId xmlns:a16="http://schemas.microsoft.com/office/drawing/2014/main" id="{3BF2E6B0-A206-4F10-80E6-230ED80D980B}"/>
-              </a:ext>
-            </a:extLst>
-          </p:cNvPr>
-          <p:cNvSpPr txBox="1"/>
-          <p:nvPr/>
-        </p:nvSpPr>
-        <p:spPr>
-          <a:xfrm>
-            <a:off x="9371616" y="1829488"/>
-            <a:ext cx="1705788" cy="276999"/>
-          </a:xfrm>
-          <a:prstGeom prst="rect">
-            <a:avLst/>
-          </a:prstGeom>
-          <a:noFill/>
-        </p:spPr>
-        <p:txBody>
-          <a:bodyPr wrap="none" rtlCol="0">
-            <a:spAutoFit/>
-          </a:bodyPr>
-          <a:lstStyle/>
-          <a:p>
-            <a:r>
-              <a:rPr lang="en-GB" sz="1200" dirty="0"/>
-              <a:t>Intended particle effects</a:t>
-            </a:r>
-          </a:p>
-        </p:txBody>
-      </p:sp>
-      <p:sp>
-        <p:nvSpPr>
-          <p:cNvPr id="19" name="TextBox 18">
-            <a:extLst>
-              <a:ext uri="{FF2B5EF4-FFF2-40B4-BE49-F238E27FC236}">
-                <a16:creationId xmlns:a16="http://schemas.microsoft.com/office/drawing/2014/main" id="{A24B13E0-CE68-4391-A87F-167DD4D8C6A0}"/>
-              </a:ext>
-            </a:extLst>
-          </p:cNvPr>
-          <p:cNvSpPr txBox="1"/>
-          <p:nvPr/>
-        </p:nvSpPr>
-        <p:spPr>
-          <a:xfrm>
-            <a:off x="2014755" y="1392664"/>
-            <a:ext cx="1143005" cy="276999"/>
-          </a:xfrm>
-          <a:prstGeom prst="rect">
-            <a:avLst/>
-          </a:prstGeom>
-          <a:noFill/>
-        </p:spPr>
-        <p:txBody>
-          <a:bodyPr wrap="none" rtlCol="0">
-            <a:spAutoFit/>
-          </a:bodyPr>
-          <a:lstStyle/>
-          <a:p>
-            <a:r>
-              <a:rPr lang="en-GB" sz="1200" dirty="0"/>
-              <a:t>Gun firing state</a:t>
-            </a:r>
-          </a:p>
-        </p:txBody>
-      </p:sp>
-      <p:sp>
-        <p:nvSpPr>
-          <p:cNvPr id="22" name="TextBox 21">
-            <a:extLst>
-              <a:ext uri="{FF2B5EF4-FFF2-40B4-BE49-F238E27FC236}">
-                <a16:creationId xmlns:a16="http://schemas.microsoft.com/office/drawing/2014/main" id="{6CD361A6-C085-4082-8395-8580D2FFCFDA}"/>
-              </a:ext>
-            </a:extLst>
-          </p:cNvPr>
-          <p:cNvSpPr txBox="1"/>
-          <p:nvPr/>
-        </p:nvSpPr>
-        <p:spPr>
-          <a:xfrm>
-            <a:off x="2012514" y="3505540"/>
-            <a:ext cx="1379865" cy="276999"/>
-          </a:xfrm>
-          <a:prstGeom prst="rect">
-            <a:avLst/>
-          </a:prstGeom>
-          <a:noFill/>
-        </p:spPr>
-        <p:txBody>
-          <a:bodyPr wrap="none" rtlCol="0">
-            <a:spAutoFit/>
-          </a:bodyPr>
-          <a:lstStyle/>
-          <a:p>
-            <a:r>
-              <a:rPr lang="en-GB" sz="1200" dirty="0"/>
-              <a:t>Gun overheat state</a:t>
-            </a:r>
-          </a:p>
-        </p:txBody>
-      </p:sp>
     </p:spTree>
     <p:extLst>
       <p:ext uri="{BB962C8B-B14F-4D97-AF65-F5344CB8AC3E}">
